--- a/Lecture Notes-Slides/Lecture 4 - Regression - Part 2.pptx
+++ b/Lecture Notes-Slides/Lecture 4 - Regression - Part 2.pptx
@@ -322,7 +322,7 @@
             <a:fld id="{04AF466F-BDA4-4F18-9C7B-FF0A9A1B0E80}" type="datetime1">
               <a:rPr lang="en-US" smtClean="0"/>
               <a:pPr/>
-              <a:t>6/22/16</a:t>
+              <a:t>6/23/16</a:t>
             </a:fld>
             <a:endParaRPr lang="en-US"/>
           </a:p>
@@ -489,7 +489,7 @@
             <a:fld id="{58FB4290-6522-4139-852E-05BD9E7F0D2E}" type="datetime1">
               <a:rPr lang="en-US" smtClean="0"/>
               <a:pPr/>
-              <a:t>6/22/16</a:t>
+              <a:t>6/23/16</a:t>
             </a:fld>
             <a:endParaRPr lang="en-US"/>
           </a:p>
@@ -666,7 +666,7 @@
             <a:fld id="{AAB955F9-81EA-47C5-8059-9E5C2B437C70}" type="datetime1">
               <a:rPr lang="en-US" smtClean="0"/>
               <a:pPr/>
-              <a:t>6/22/16</a:t>
+              <a:t>6/23/16</a:t>
             </a:fld>
             <a:endParaRPr lang="en-US"/>
           </a:p>
@@ -833,7 +833,7 @@
             <a:fld id="{1CEF607B-A47E-422C-9BEF-122CCDB7C526}" type="datetime1">
               <a:rPr lang="en-US" smtClean="0"/>
               <a:pPr/>
-              <a:t>6/22/16</a:t>
+              <a:t>6/23/16</a:t>
             </a:fld>
             <a:endParaRPr lang="en-US"/>
           </a:p>
@@ -1076,7 +1076,7 @@
             <a:fld id="{63A9A7CB-BEE6-4F99-898E-913F06E8E125}" type="datetime1">
               <a:rPr lang="en-US" smtClean="0"/>
               <a:pPr/>
-              <a:t>6/22/16</a:t>
+              <a:t>6/23/16</a:t>
             </a:fld>
             <a:endParaRPr lang="en-US"/>
           </a:p>
@@ -1361,7 +1361,7 @@
             <a:fld id="{B6EE300C-6FC5-4FC3-AF1A-075E4F50620D}" type="datetime1">
               <a:rPr lang="en-US" smtClean="0"/>
               <a:pPr/>
-              <a:t>6/22/16</a:t>
+              <a:t>6/23/16</a:t>
             </a:fld>
             <a:endParaRPr lang="en-US"/>
           </a:p>
@@ -1792,7 +1792,7 @@
             <a:fld id="{F50D295D-4A77-4DEB-B04C-9F4282A8BC04}" type="datetime1">
               <a:rPr lang="en-US" smtClean="0"/>
               <a:pPr/>
-              <a:t>6/22/16</a:t>
+              <a:t>6/23/16</a:t>
             </a:fld>
             <a:endParaRPr lang="en-US"/>
           </a:p>
@@ -1907,7 +1907,7 @@
             <a:fld id="{02B28685-4D0C-42D5-8013-B5904CD1FCBC}" type="datetime1">
               <a:rPr lang="en-US" smtClean="0"/>
               <a:pPr/>
-              <a:t>6/22/16</a:t>
+              <a:t>6/23/16</a:t>
             </a:fld>
             <a:endParaRPr lang="en-US"/>
           </a:p>
@@ -1999,7 +1999,7 @@
             <a:fld id="{FDF226C0-9885-4BA9-BBFA-A52CBFEBB775}" type="datetime1">
               <a:rPr lang="en-US" smtClean="0"/>
               <a:pPr/>
-              <a:t>6/22/16</a:t>
+              <a:t>6/23/16</a:t>
             </a:fld>
             <a:endParaRPr lang="en-US"/>
           </a:p>
@@ -2190,7 +2190,7 @@
             <a:fld id="{EBEE1B38-C5EB-4D66-9137-0AFE9CDEDE8F}" type="datetime1">
               <a:rPr lang="en-US" smtClean="0"/>
               <a:pPr/>
-              <a:t>6/22/16</a:t>
+              <a:t>6/23/16</a:t>
             </a:fld>
             <a:endParaRPr lang="en-US"/>
           </a:p>
@@ -2510,7 +2510,7 @@
             <a:fld id="{327B613C-1AD7-49D3-885D-F654C5CDBAA6}" type="datetime1">
               <a:rPr lang="en-US" smtClean="0"/>
               <a:pPr/>
-              <a:t>6/22/16</a:t>
+              <a:t>6/23/16</a:t>
             </a:fld>
             <a:endParaRPr lang="en-US" dirty="0"/>
           </a:p>
@@ -2892,7 +2892,7 @@
             <a:fld id="{327B613C-1AD7-49D3-885D-F654C5CDBAA6}" type="datetime1">
               <a:rPr lang="en-US" smtClean="0"/>
               <a:pPr/>
-              <a:t>6/22/16</a:t>
+              <a:t>6/23/16</a:t>
             </a:fld>
             <a:endParaRPr lang="en-US" dirty="0"/>
           </a:p>
@@ -3274,8 +3274,12 @@
           </a:p>
           <a:p>
             <a:r>
-              <a:rPr lang="en-US" dirty="0" smtClean="0"/>
-              <a:t>Lecture 5</a:t>
+              <a:rPr lang="en-US" smtClean="0"/>
+              <a:t>Lecture </a:t>
+            </a:r>
+            <a:r>
+              <a:rPr lang="en-US" smtClean="0"/>
+              <a:t>4</a:t>
             </a:r>
             <a:endParaRPr lang="en-US" dirty="0"/>
           </a:p>
@@ -3291,6 +3295,13 @@
   <p:clrMapOvr>
     <a:masterClrMapping/>
   </p:clrMapOvr>
+  <p:timing>
+    <p:tnLst>
+      <p:par>
+        <p:cTn xmlns:p14="http://schemas.microsoft.com/office/powerpoint/2010/main" id="1" dur="indefinite" restart="never" nodeType="tmRoot"/>
+      </p:par>
+    </p:tnLst>
+  </p:timing>
 </p:sld>
 </file>
 
@@ -4170,6 +4181,13 @@
   <p:clrMapOvr>
     <a:masterClrMapping/>
   </p:clrMapOvr>
+  <p:timing>
+    <p:tnLst>
+      <p:par>
+        <p:cTn xmlns:p14="http://schemas.microsoft.com/office/powerpoint/2010/main" id="1" dur="indefinite" restart="never" nodeType="tmRoot"/>
+      </p:par>
+    </p:tnLst>
+  </p:timing>
 </p:sld>
 </file>
 
@@ -5786,23 +5804,14 @@
           <a:p>
             <a:r>
               <a:rPr lang="en-US" dirty="0" smtClean="0"/>
-              <a:t>Hypothesis </a:t>
-            </a:r>
+              <a:t>Hypothesis test – test of significance on regression coefficients</a:t>
+            </a:r>
+          </a:p>
+          <a:p>
             <a:r>
               <a:rPr lang="en-US" dirty="0" smtClean="0"/>
-              <a:t>test – test of significance on regression coefficients</a:t>
-            </a:r>
-          </a:p>
-          <a:p>
-            <a:r>
-              <a:rPr lang="en-US" dirty="0" smtClean="0"/>
-              <a:t>P</a:t>
-            </a:r>
-            <a:r>
-              <a:rPr lang="en-US" dirty="0" smtClean="0"/>
-              <a:t>-values</a:t>
-            </a:r>
-            <a:endParaRPr lang="en-US" dirty="0" smtClean="0"/>
+              <a:t>P-values</a:t>
+            </a:r>
           </a:p>
           <a:p>
             <a:r>
@@ -6346,7 +6355,6 @@
               <a:rPr lang="en-US" smtClean="0"/>
               <a:t> </a:t>
             </a:r>
-            <a:endParaRPr lang="en-US" smtClean="0"/>
           </a:p>
           <a:p>
             <a:r>
